--- a/‏‏الذكاء الاصطناعي تطبيقات عملية.pptx
+++ b/‏‏الذكاء الاصطناعي تطبيقات عملية.pptx
@@ -13,7 +13,7 @@
     <p:sldId id="276" r:id="rId7"/>
     <p:sldId id="277" r:id="rId8"/>
     <p:sldId id="261" r:id="rId9"/>
-    <p:sldId id="262" r:id="rId10"/>
+    <p:sldId id="287" r:id="rId10"/>
     <p:sldId id="271" r:id="rId11"/>
     <p:sldId id="270" r:id="rId12"/>
     <p:sldId id="281" r:id="rId13"/>
@@ -3782,7 +3782,7 @@
           <a:p>
             <a:fld id="{CB765A60-81B8-4B2F-9009-0D7C96255D54}" type="datetimeFigureOut">
               <a:rPr lang="ar-SA" smtClean="0"/>
-              <a:t>29/12/41</a:t>
+              <a:t>12/29/1441</a:t>
             </a:fld>
             <a:endParaRPr lang="ar-SA"/>
           </a:p>
@@ -3980,7 +3980,7 @@
           <a:p>
             <a:fld id="{CB765A60-81B8-4B2F-9009-0D7C96255D54}" type="datetimeFigureOut">
               <a:rPr lang="ar-SA" smtClean="0"/>
-              <a:t>29/12/41</a:t>
+              <a:t>12/29/1441</a:t>
             </a:fld>
             <a:endParaRPr lang="ar-SA"/>
           </a:p>
@@ -4188,7 +4188,7 @@
           <a:p>
             <a:fld id="{CB765A60-81B8-4B2F-9009-0D7C96255D54}" type="datetimeFigureOut">
               <a:rPr lang="ar-SA" smtClean="0"/>
-              <a:t>29/12/41</a:t>
+              <a:t>12/29/1441</a:t>
             </a:fld>
             <a:endParaRPr lang="ar-SA"/>
           </a:p>
@@ -4386,7 +4386,7 @@
           <a:p>
             <a:fld id="{CB765A60-81B8-4B2F-9009-0D7C96255D54}" type="datetimeFigureOut">
               <a:rPr lang="ar-SA" smtClean="0"/>
-              <a:t>29/12/41</a:t>
+              <a:t>12/29/1441</a:t>
             </a:fld>
             <a:endParaRPr lang="ar-SA"/>
           </a:p>
@@ -4661,7 +4661,7 @@
           <a:p>
             <a:fld id="{CB765A60-81B8-4B2F-9009-0D7C96255D54}" type="datetimeFigureOut">
               <a:rPr lang="ar-SA" smtClean="0"/>
-              <a:t>29/12/41</a:t>
+              <a:t>12/29/1441</a:t>
             </a:fld>
             <a:endParaRPr lang="ar-SA"/>
           </a:p>
@@ -4926,7 +4926,7 @@
           <a:p>
             <a:fld id="{CB765A60-81B8-4B2F-9009-0D7C96255D54}" type="datetimeFigureOut">
               <a:rPr lang="ar-SA" smtClean="0"/>
-              <a:t>29/12/41</a:t>
+              <a:t>12/29/1441</a:t>
             </a:fld>
             <a:endParaRPr lang="ar-SA"/>
           </a:p>
@@ -5338,7 +5338,7 @@
           <a:p>
             <a:fld id="{CB765A60-81B8-4B2F-9009-0D7C96255D54}" type="datetimeFigureOut">
               <a:rPr lang="ar-SA" smtClean="0"/>
-              <a:t>29/12/41</a:t>
+              <a:t>12/29/1441</a:t>
             </a:fld>
             <a:endParaRPr lang="ar-SA"/>
           </a:p>
@@ -5479,7 +5479,7 @@
           <a:p>
             <a:fld id="{CB765A60-81B8-4B2F-9009-0D7C96255D54}" type="datetimeFigureOut">
               <a:rPr lang="ar-SA" smtClean="0"/>
-              <a:t>29/12/41</a:t>
+              <a:t>12/29/1441</a:t>
             </a:fld>
             <a:endParaRPr lang="ar-SA"/>
           </a:p>
@@ -5592,7 +5592,7 @@
           <a:p>
             <a:fld id="{CB765A60-81B8-4B2F-9009-0D7C96255D54}" type="datetimeFigureOut">
               <a:rPr lang="ar-SA" smtClean="0"/>
-              <a:t>29/12/41</a:t>
+              <a:t>12/29/1441</a:t>
             </a:fld>
             <a:endParaRPr lang="ar-SA"/>
           </a:p>
@@ -5903,7 +5903,7 @@
           <a:p>
             <a:fld id="{CB765A60-81B8-4B2F-9009-0D7C96255D54}" type="datetimeFigureOut">
               <a:rPr lang="ar-SA" smtClean="0"/>
-              <a:t>29/12/41</a:t>
+              <a:t>12/29/1441</a:t>
             </a:fld>
             <a:endParaRPr lang="ar-SA"/>
           </a:p>
@@ -6191,7 +6191,7 @@
           <a:p>
             <a:fld id="{CB765A60-81B8-4B2F-9009-0D7C96255D54}" type="datetimeFigureOut">
               <a:rPr lang="ar-SA" smtClean="0"/>
-              <a:t>29/12/41</a:t>
+              <a:t>12/29/1441</a:t>
             </a:fld>
             <a:endParaRPr lang="ar-SA"/>
           </a:p>
@@ -6432,7 +6432,7 @@
           <a:p>
             <a:fld id="{CB765A60-81B8-4B2F-9009-0D7C96255D54}" type="datetimeFigureOut">
               <a:rPr lang="ar-SA" smtClean="0"/>
-              <a:t>29/12/41</a:t>
+              <a:t>12/29/1441</a:t>
             </a:fld>
             <a:endParaRPr lang="ar-SA"/>
           </a:p>
@@ -7187,7 +7187,7 @@
         </p:blipFill>
         <p:spPr bwMode="auto">
           <a:xfrm>
-            <a:off x="2448471" y="1916906"/>
+            <a:off x="1775733" y="2218747"/>
             <a:ext cx="8640534" cy="3024187"/>
           </a:xfrm>
           <a:prstGeom prst="rect">
@@ -7324,8 +7324,8 @@
         </p:nvSpPr>
         <p:spPr>
           <a:xfrm>
-            <a:off x="9093496" y="618681"/>
-            <a:ext cx="2613872" cy="4794567"/>
+            <a:off x="8886548" y="618681"/>
+            <a:ext cx="2820820" cy="4794567"/>
           </a:xfrm>
         </p:spPr>
         <p:txBody>
@@ -7334,7 +7334,7 @@
           </a:bodyPr>
           <a:lstStyle/>
           <a:p>
-            <a:pPr algn="l" rtl="0"/>
+            <a:pPr algn="r"/>
             <a:r>
               <a:rPr lang="ar-SA" sz="3600" dirty="0">
                 <a:solidFill>
@@ -7602,6 +7602,7 @@
           <a:bodyPr/>
           <a:lstStyle/>
           <a:p>
+            <a:pPr algn="l" rtl="0"/>
             <a:r>
               <a:rPr lang="en-US" dirty="0"/>
               <a:t>Deep Learning</a:t>
@@ -7918,11 +7919,11 @@
           <a:bodyPr/>
           <a:lstStyle/>
           <a:p>
+            <a:pPr algn="l" rtl="0"/>
             <a:r>
-              <a:rPr lang="en-US" dirty="0"/>
-              <a:t>CNN</a:t>
+              <a:rPr lang="ar-SA" dirty="0"/>
+              <a:t>تصنيف الصور</a:t>
             </a:r>
-            <a:endParaRPr lang="ar-SA" dirty="0"/>
           </a:p>
         </p:txBody>
       </p:sp>
@@ -8026,6 +8027,7 @@
           <a:bodyPr/>
           <a:lstStyle/>
           <a:p>
+            <a:pPr algn="l" rtl="0"/>
             <a:r>
               <a:rPr lang="en-US" dirty="0"/>
               <a:t>Elephant? </a:t>
@@ -8187,7 +8189,12 @@
           <a:bodyPr/>
           <a:lstStyle/>
           <a:p>
-            <a:endParaRPr lang="ar-SA"/>
+            <a:pPr algn="l" rtl="0"/>
+            <a:r>
+              <a:rPr lang="en-US" dirty="0"/>
+              <a:t>Elephant shape </a:t>
+            </a:r>
+            <a:endParaRPr lang="ar-SA" dirty="0"/>
           </a:p>
         </p:txBody>
       </p:sp>
@@ -8297,7 +8304,12 @@
           <a:bodyPr/>
           <a:lstStyle/>
           <a:p>
-            <a:endParaRPr lang="ar-SA"/>
+            <a:pPr algn="l" rtl="0"/>
+            <a:r>
+              <a:rPr lang="en-US" dirty="0"/>
+              <a:t>Shape matrix </a:t>
+            </a:r>
+            <a:endParaRPr lang="ar-SA" dirty="0"/>
           </a:p>
         </p:txBody>
       </p:sp>
@@ -8471,9 +8483,10 @@
           <a:bodyPr/>
           <a:lstStyle/>
           <a:p>
+            <a:pPr algn="l" rtl="0"/>
             <a:r>
               <a:rPr lang="en-US" dirty="0"/>
-              <a:t> Cat?</a:t>
+              <a:t> Cat Edges </a:t>
             </a:r>
             <a:endParaRPr lang="ar-SA" dirty="0"/>
           </a:p>
@@ -8649,6 +8662,7 @@
           <a:bodyPr/>
           <a:lstStyle/>
           <a:p>
+            <a:pPr algn="ctr" rtl="0"/>
             <a:r>
               <a:rPr lang="en-US" dirty="0"/>
               <a:t>CNN</a:t>
@@ -8888,6 +8902,7 @@
           <a:bodyPr/>
           <a:lstStyle/>
           <a:p>
+            <a:pPr algn="ctr"/>
             <a:r>
               <a:rPr lang="ar-SA" dirty="0"/>
               <a:t>تطبيق عملي في مجال </a:t>
@@ -9082,6 +9097,7 @@
           <a:bodyPr/>
           <a:lstStyle/>
           <a:p>
+            <a:pPr algn="ctr"/>
             <a:r>
               <a:rPr lang="en-US" dirty="0">
                 <a:hlinkClick r:id="rId2"/>
@@ -10154,9 +10170,10 @@
           <a:bodyPr/>
           <a:lstStyle/>
           <a:p>
+            <a:pPr algn="l" rtl="0"/>
             <a:r>
               <a:rPr lang="en-US" b="1" dirty="0"/>
-              <a:t>Learning</a:t>
+              <a:t>Learning by examples (training) </a:t>
             </a:r>
             <a:endParaRPr lang="ar-SA" b="1" dirty="0"/>
           </a:p>
@@ -10425,17 +10442,6 @@
 <file path=ppt/slides/slide9.xml><?xml version="1.0" encoding="utf-8"?>
 <p:sld xmlns:a="http://schemas.openxmlformats.org/drawingml/2006/main" xmlns:r="http://schemas.openxmlformats.org/officeDocument/2006/relationships" xmlns:p="http://schemas.openxmlformats.org/presentationml/2006/main">
   <p:cSld>
-    <p:bg>
-      <p:bgPr>
-        <a:solidFill>
-          <a:schemeClr val="bg1">
-            <a:tint val="95000"/>
-            <a:satMod val="170000"/>
-          </a:schemeClr>
-        </a:solidFill>
-        <a:effectLst/>
-      </p:bgPr>
-    </p:bg>
     <p:spTree>
       <p:nvGrpSpPr>
         <p:cNvPr id="1" name=""/>
@@ -10497,151 +10503,23 @@
       </p:pic>
       <p:sp>
         <p:nvSpPr>
-          <p:cNvPr id="73" name="Freeform: Shape 72">
-            <a:extLst>
-              <a:ext uri="{FF2B5EF4-FFF2-40B4-BE49-F238E27FC236}">
-                <a16:creationId xmlns:a16="http://schemas.microsoft.com/office/drawing/2014/main" id="{5E8D2E83-FB3A-40E7-A9E5-7AB389D612B4}"/>
-              </a:ext>
-              <a:ext uri="{C183D7F6-B498-43B3-948B-1728B52AA6E4}">
-                <adec:decorative xmlns:adec="http://schemas.microsoft.com/office/drawing/2017/decorative" val="1"/>
+          <p:cNvPr id="2" name="عنوان 1">
+            <a:extLst>
+              <a:ext uri="{FF2B5EF4-FFF2-40B4-BE49-F238E27FC236}">
+                <a16:creationId xmlns:a16="http://schemas.microsoft.com/office/drawing/2014/main" id="{9BDC6F2E-4FFC-4180-AC1A-D44F62FA59A6}"/>
               </a:ext>
             </a:extLst>
           </p:cNvPr>
           <p:cNvSpPr>
-            <a:spLocks noGrp="1" noRot="1" noChangeAspect="1" noMove="1" noResize="1" noEditPoints="1" noAdjustHandles="1" noChangeArrowheads="1" noChangeShapeType="1" noTextEdit="1"/>
+            <a:spLocks noGrp="1"/>
           </p:cNvSpPr>
           <p:nvPr>
-            <p:extLst>
-              <p:ext uri="{386F3935-93C4-4BCD-93E2-E3B085C9AB24}">
-                <p16:designElem xmlns:p16="http://schemas.microsoft.com/office/powerpoint/2015/main" val="1"/>
-              </p:ext>
-            </p:extLst>
+            <p:ph type="title"/>
           </p:nvPr>
         </p:nvSpPr>
         <p:spPr>
           <a:xfrm>
-            <a:off x="0" y="4023809"/>
-            <a:ext cx="11016943" cy="2262375"/>
-          </a:xfrm>
-          <a:custGeom>
-            <a:avLst/>
-            <a:gdLst>
-              <a:gd name="connsiteX0" fmla="*/ 0 w 11016943"/>
-              <a:gd name="connsiteY0" fmla="*/ 0 h 2262375"/>
-              <a:gd name="connsiteX1" fmla="*/ 9969166 w 11016943"/>
-              <a:gd name="connsiteY1" fmla="*/ 0 h 2262375"/>
-              <a:gd name="connsiteX2" fmla="*/ 11016943 w 11016943"/>
-              <a:gd name="connsiteY2" fmla="*/ 2262375 h 2262375"/>
-              <a:gd name="connsiteX3" fmla="*/ 4942050 w 11016943"/>
-              <a:gd name="connsiteY3" fmla="*/ 2262375 h 2262375"/>
-              <a:gd name="connsiteX4" fmla="*/ 4582160 w 11016943"/>
-              <a:gd name="connsiteY4" fmla="*/ 2262375 h 2262375"/>
-              <a:gd name="connsiteX5" fmla="*/ 0 w 11016943"/>
-              <a:gd name="connsiteY5" fmla="*/ 2262375 h 2262375"/>
-            </a:gdLst>
-            <a:ahLst/>
-            <a:cxnLst>
-              <a:cxn ang="0">
-                <a:pos x="connsiteX0" y="connsiteY0"/>
-              </a:cxn>
-              <a:cxn ang="0">
-                <a:pos x="connsiteX1" y="connsiteY1"/>
-              </a:cxn>
-              <a:cxn ang="0">
-                <a:pos x="connsiteX2" y="connsiteY2"/>
-              </a:cxn>
-              <a:cxn ang="0">
-                <a:pos x="connsiteX3" y="connsiteY3"/>
-              </a:cxn>
-              <a:cxn ang="0">
-                <a:pos x="connsiteX4" y="connsiteY4"/>
-              </a:cxn>
-              <a:cxn ang="0">
-                <a:pos x="connsiteX5" y="connsiteY5"/>
-              </a:cxn>
-            </a:cxnLst>
-            <a:rect l="l" t="t" r="r" b="b"/>
-            <a:pathLst>
-              <a:path w="11016943" h="2262375">
-                <a:moveTo>
-                  <a:pt x="0" y="0"/>
-                </a:moveTo>
-                <a:lnTo>
-                  <a:pt x="9969166" y="0"/>
-                </a:lnTo>
-                <a:lnTo>
-                  <a:pt x="11016943" y="2262375"/>
-                </a:lnTo>
-                <a:lnTo>
-                  <a:pt x="4942050" y="2262375"/>
-                </a:lnTo>
-                <a:lnTo>
-                  <a:pt x="4582160" y="2262375"/>
-                </a:lnTo>
-                <a:lnTo>
-                  <a:pt x="0" y="2262375"/>
-                </a:lnTo>
-                <a:close/>
-              </a:path>
-            </a:pathLst>
-          </a:custGeom>
-          <a:solidFill>
-            <a:schemeClr val="bg1">
-              <a:lumMod val="85000"/>
-              <a:lumOff val="15000"/>
-              <a:alpha val="88000"/>
-            </a:schemeClr>
-          </a:solidFill>
-          <a:ln>
-            <a:noFill/>
-          </a:ln>
-        </p:spPr>
-        <p:style>
-          <a:lnRef idx="2">
-            <a:schemeClr val="accent1">
-              <a:shade val="50000"/>
-            </a:schemeClr>
-          </a:lnRef>
-          <a:fillRef idx="1">
-            <a:schemeClr val="accent1"/>
-          </a:fillRef>
-          <a:effectRef idx="0">
-            <a:schemeClr val="accent1"/>
-          </a:effectRef>
-          <a:fontRef idx="minor">
-            <a:schemeClr val="lt1"/>
-          </a:fontRef>
-        </p:style>
-        <p:txBody>
-          <a:bodyPr wrap="square" rtlCol="0" anchor="ctr">
-            <a:noAutofit/>
-          </a:bodyPr>
-          <a:lstStyle/>
-          <a:p>
-            <a:pPr algn="ctr"/>
-            <a:endParaRPr lang="en-US"/>
-          </a:p>
-        </p:txBody>
-      </p:sp>
-      <p:sp>
-        <p:nvSpPr>
-          <p:cNvPr id="2" name="عنوان 1">
-            <a:extLst>
-              <a:ext uri="{FF2B5EF4-FFF2-40B4-BE49-F238E27FC236}">
-                <a16:creationId xmlns:a16="http://schemas.microsoft.com/office/drawing/2014/main" id="{9BDC6F2E-4FFC-4180-AC1A-D44F62FA59A6}"/>
-              </a:ext>
-            </a:extLst>
-          </p:cNvPr>
-          <p:cNvSpPr>
-            <a:spLocks noGrp="1"/>
-          </p:cNvSpPr>
-          <p:nvPr>
-            <p:ph type="title"/>
-          </p:nvPr>
-        </p:nvSpPr>
-        <p:spPr>
-          <a:xfrm>
-            <a:off x="618062" y="4185749"/>
+            <a:off x="689084" y="440421"/>
             <a:ext cx="9265771" cy="622836"/>
           </a:xfrm>
         </p:spPr>
@@ -10653,53 +10531,37 @@
           <a:p>
             <a:pPr rtl="0"/>
             <a:r>
-              <a:rPr lang="en-US" sz="3600"/>
-              <a:t> الرؤية الحاسوبيةComputer Vision </a:t>
+              <a:rPr lang="en-US" sz="3600" dirty="0"/>
+              <a:t> </a:t>
             </a:r>
-          </a:p>
-        </p:txBody>
-      </p:sp>
-      <p:sp>
-        <p:nvSpPr>
-          <p:cNvPr id="4102" name="Content Placeholder 4101">
-            <a:extLst>
-              <a:ext uri="{FF2B5EF4-FFF2-40B4-BE49-F238E27FC236}">
-                <a16:creationId xmlns:a16="http://schemas.microsoft.com/office/drawing/2014/main" id="{A6561B19-0E0E-4A45-A54D-64500489C2EA}"/>
-              </a:ext>
-            </a:extLst>
-          </p:cNvPr>
-          <p:cNvSpPr>
-            <a:spLocks noGrp="1"/>
-          </p:cNvSpPr>
-          <p:nvPr>
-            <p:ph idx="1"/>
-          </p:nvPr>
-        </p:nvSpPr>
-        <p:spPr>
-          <a:xfrm>
-            <a:off x="618063" y="4856921"/>
-            <a:ext cx="9565028" cy="1249240"/>
-          </a:xfrm>
-        </p:spPr>
-        <p:txBody>
-          <a:bodyPr>
-            <a:normAutofit/>
-          </a:bodyPr>
-          <a:lstStyle/>
-          <a:p>
-            <a:endParaRPr lang="en-US" sz="1800"/>
+            <a:r>
+              <a:rPr lang="en-US" sz="3600" dirty="0" err="1"/>
+              <a:t>الرؤية</a:t>
+            </a:r>
+            <a:r>
+              <a:rPr lang="en-US" sz="3600" dirty="0"/>
+              <a:t> </a:t>
+            </a:r>
+            <a:r>
+              <a:rPr lang="en-US" sz="3600" dirty="0" err="1"/>
+              <a:t>الحاسوبيةComputer</a:t>
+            </a:r>
+            <a:r>
+              <a:rPr lang="en-US" sz="3600" dirty="0"/>
+              <a:t> Vision </a:t>
+            </a:r>
           </a:p>
         </p:txBody>
       </p:sp>
     </p:spTree>
     <p:extLst>
       <p:ext uri="{BB962C8B-B14F-4D97-AF65-F5344CB8AC3E}">
-        <p14:creationId xmlns:p14="http://schemas.microsoft.com/office/powerpoint/2010/main" val="2809468768"/>
+        <p14:creationId xmlns:p14="http://schemas.microsoft.com/office/powerpoint/2010/main" val="2700625361"/>
       </p:ext>
     </p:extLst>
   </p:cSld>
   <p:clrMapOvr>
-    <a:overrideClrMapping bg1="dk1" tx1="lt1" bg2="dk2" tx2="lt2" accent1="accent1" accent2="accent2" accent3="accent3" accent4="accent4" accent5="accent5" accent6="accent6" hlink="hlink" folHlink="folHlink"/>
+    <a:masterClrMapping/>
   </p:clrMapOvr>
 </p:sld>
 </file>
